--- a/Fall 2015/Lectures/Lecture 5 Parket Sisters/ParketSisters.pptx
+++ b/Fall 2015/Lectures/Lecture 5 Parket Sisters/ParketSisters.pptx
@@ -1824,13 +1824,7 @@
               <a:rPr lang="en-US" sz="1200" dirty="0" smtClean="0">
                 <a:latin typeface="Century Gothic" pitchFamily="34" charset="0"/>
               </a:rPr>
-              <a:t>Fall </a:t>
-            </a:r>
-            <a:r>
-              <a:rPr lang="en-US" sz="1200" dirty="0" smtClean="0">
-                <a:latin typeface="Century Gothic" pitchFamily="34" charset="0"/>
-              </a:rPr>
-              <a:t>2013</a:t>
+              <a:t>Fall 2013</a:t>
             </a:r>
             <a:endParaRPr lang="en-US" sz="1200" dirty="0">
               <a:latin typeface="Century Gothic" pitchFamily="34" charset="0"/>
@@ -1992,7 +1986,7 @@
   <p:timing>
     <p:tnLst>
       <p:par>
-        <p:cTn id="1" dur="indefinite" restart="never" nodeType="tmRoot"/>
+        <p:cTn xmlns:p14="http://schemas.microsoft.com/office/powerpoint/2010/main" id="1" dur="indefinite" restart="never" nodeType="tmRoot"/>
       </p:par>
     </p:tnLst>
   </p:timing>
@@ -2404,7 +2398,6 @@
               <a:rPr lang="en-US" smtClean="0"/>
               <a:t>9/25/2013,        9/30/2013</a:t>
             </a:r>
-            <a:endParaRPr lang="en-US" smtClean="0"/>
           </a:p>
         </p:txBody>
       </p:sp>
@@ -2539,7 +2532,7 @@
   <p:timing>
     <p:tnLst>
       <p:par>
-        <p:cTn id="1" dur="indefinite" restart="never" nodeType="tmRoot"/>
+        <p:cTn xmlns:p14="http://schemas.microsoft.com/office/powerpoint/2010/main" id="1" dur="indefinite" restart="never" nodeType="tmRoot"/>
       </p:par>
     </p:tnLst>
   </p:timing>
@@ -2722,7 +2715,6 @@
               <a:rPr lang="en-US" smtClean="0"/>
               <a:t>9/25/2013,        9/30/2013</a:t>
             </a:r>
-            <a:endParaRPr lang="en-US" smtClean="0"/>
           </a:p>
         </p:txBody>
       </p:sp>
@@ -2767,7 +2759,7 @@
   <p:timing>
     <p:tnLst>
       <p:par>
-        <p:cTn id="1" dur="indefinite" restart="never" nodeType="tmRoot"/>
+        <p:cTn xmlns:p14="http://schemas.microsoft.com/office/powerpoint/2010/main" id="1" dur="indefinite" restart="never" nodeType="tmRoot"/>
       </p:par>
     </p:tnLst>
   </p:timing>
@@ -3389,7 +3381,7 @@
   <p:timing>
     <p:tnLst>
       <p:par>
-        <p:cTn id="1" dur="indefinite" restart="never" nodeType="tmRoot"/>
+        <p:cTn xmlns:p14="http://schemas.microsoft.com/office/powerpoint/2010/main" id="1" dur="indefinite" restart="never" nodeType="tmRoot"/>
       </p:par>
     </p:tnLst>
   </p:timing>
@@ -3696,7 +3688,7 @@
         <p:spPr bwMode="auto">
           <a:xfrm>
             <a:off x="658813" y="3551238"/>
-            <a:ext cx="8180387" cy="1477962"/>
+            <a:ext cx="8661345" cy="646331"/>
           </a:xfrm>
           <a:prstGeom prst="rect">
             <a:avLst/>
@@ -3720,143 +3712,40 @@
               <a:buChar char="•"/>
             </a:pPr>
             <a:r>
-              <a:rPr lang="en-US">
+              <a:rPr lang="en-US" dirty="0">
                 <a:solidFill>
                   <a:srgbClr val="0000FF"/>
                 </a:solidFill>
                 <a:latin typeface="Century Gothic" pitchFamily="34" charset="0"/>
               </a:rPr>
-              <a:t> Check the </a:t>
-            </a:r>
-            <a:r>
-              <a:rPr lang="en-US" b="1">
+              <a:t> </a:t>
+            </a:r>
+            <a:r>
+              <a:rPr lang="en-US" dirty="0" smtClean="0">
                 <a:solidFill>
                   <a:srgbClr val="0000FF"/>
                 </a:solidFill>
                 <a:latin typeface="Century Gothic" pitchFamily="34" charset="0"/>
               </a:rPr>
-              <a:t>allowable increase </a:t>
-            </a:r>
-            <a:r>
-              <a:rPr lang="en-US">
+              <a:t>Check if there is a 0 </a:t>
+            </a:r>
+            <a:r>
+              <a:rPr lang="en-US" dirty="0" smtClean="0">
                 <a:solidFill>
                   <a:srgbClr val="0000FF"/>
                 </a:solidFill>
                 <a:latin typeface="Century Gothic" pitchFamily="34" charset="0"/>
               </a:rPr>
-              <a:t>and </a:t>
-            </a:r>
-            <a:r>
-              <a:rPr lang="en-US" b="1">
-                <a:solidFill>
-                  <a:srgbClr val="0000FF"/>
-                </a:solidFill>
-                <a:latin typeface="Century Gothic" pitchFamily="34" charset="0"/>
-              </a:rPr>
-              <a:t>allowable decrease </a:t>
-            </a:r>
-            <a:r>
-              <a:rPr lang="en-US">
-                <a:solidFill>
-                  <a:srgbClr val="0000FF"/>
-                </a:solidFill>
-                <a:latin typeface="Century Gothic" pitchFamily="34" charset="0"/>
-              </a:rPr>
-              <a:t>of </a:t>
-            </a:r>
-            <a:r>
-              <a:rPr lang="en-US" b="1">
-                <a:solidFill>
-                  <a:srgbClr val="0000FF"/>
-                </a:solidFill>
-                <a:latin typeface="Century Gothic" pitchFamily="34" charset="0"/>
-              </a:rPr>
-              <a:t>adjustable </a:t>
-            </a:r>
-          </a:p>
-          <a:p>
-            <a:r>
-              <a:rPr lang="en-US" b="1">
-                <a:solidFill>
-                  <a:srgbClr val="0000FF"/>
-                </a:solidFill>
-                <a:latin typeface="Century Gothic" pitchFamily="34" charset="0"/>
-              </a:rPr>
-              <a:t>   cells </a:t>
-            </a:r>
-            <a:r>
-              <a:rPr lang="en-US">
-                <a:solidFill>
-                  <a:srgbClr val="0000FF"/>
-                </a:solidFill>
-                <a:latin typeface="Century Gothic" pitchFamily="34" charset="0"/>
-              </a:rPr>
-              <a:t>in the sensitivity report.</a:t>
-            </a:r>
-          </a:p>
-          <a:p>
-            <a:pPr>
-              <a:buFontTx/>
-              <a:buChar char="•"/>
-            </a:pPr>
-            <a:r>
-              <a:rPr lang="en-US" b="1">
-                <a:solidFill>
-                  <a:srgbClr val="0000FF"/>
-                </a:solidFill>
-                <a:latin typeface="Century Gothic" pitchFamily="34" charset="0"/>
-              </a:rPr>
-              <a:t> If there exists an zero </a:t>
-            </a:r>
-            <a:r>
-              <a:rPr lang="en-US">
-                <a:solidFill>
-                  <a:srgbClr val="0000FF"/>
-                </a:solidFill>
-                <a:latin typeface="Century Gothic" pitchFamily="34" charset="0"/>
-              </a:rPr>
-              <a:t>in either allowable increase or allowable </a:t>
-            </a:r>
-          </a:p>
-          <a:p>
-            <a:r>
-              <a:rPr lang="en-US">
-                <a:solidFill>
-                  <a:srgbClr val="0000FF"/>
-                </a:solidFill>
-                <a:latin typeface="Century Gothic" pitchFamily="34" charset="0"/>
-              </a:rPr>
-              <a:t>   decrease, then there are </a:t>
-            </a:r>
-            <a:r>
-              <a:rPr lang="en-US" b="1">
-                <a:solidFill>
-                  <a:srgbClr val="0000FF"/>
-                </a:solidFill>
-                <a:latin typeface="Century Gothic" pitchFamily="34" charset="0"/>
-              </a:rPr>
-              <a:t>multiple optimal solutions</a:t>
-            </a:r>
-            <a:r>
-              <a:rPr lang="en-US">
-                <a:solidFill>
-                  <a:srgbClr val="0000FF"/>
-                </a:solidFill>
-                <a:latin typeface="Century Gothic" pitchFamily="34" charset="0"/>
-              </a:rPr>
-              <a:t>, otherwise, the </a:t>
-            </a:r>
-          </a:p>
-          <a:p>
-            <a:r>
-              <a:rPr lang="en-US">
-                <a:solidFill>
-                  <a:srgbClr val="0000FF"/>
-                </a:solidFill>
-                <a:latin typeface="Century Gothic" pitchFamily="34" charset="0"/>
-              </a:rPr>
-              <a:t>optimal solution is unique</a:t>
-            </a:r>
+              <a:t>for the reduced cost of a product we do not produce</a:t>
+            </a:r>
+          </a:p>
+          <a:p>
+            <a:endParaRPr lang="en-US" dirty="0">
+              <a:solidFill>
+                <a:srgbClr val="0000FF"/>
+              </a:solidFill>
+              <a:latin typeface="Century Gothic" pitchFamily="34" charset="0"/>
+            </a:endParaRPr>
           </a:p>
         </p:txBody>
       </p:sp>
@@ -3957,7 +3846,7 @@
   <p:timing>
     <p:tnLst>
       <p:par>
-        <p:cTn id="1" dur="indefinite" restart="never" nodeType="tmRoot">
+        <p:cTn xmlns:p14="http://schemas.microsoft.com/office/powerpoint/2010/main" id="1" dur="indefinite" restart="never" nodeType="tmRoot">
           <p:childTnLst>
             <p:seq concurrent="1" nextAc="seek">
               <p:cTn id="2" dur="indefinite" nodeType="mainSeq">
@@ -4412,7 +4301,6 @@
               <a:rPr lang="en-US" smtClean="0"/>
               <a:t>9/25/2013,        9/30/2013</a:t>
             </a:r>
-            <a:endParaRPr lang="en-US" smtClean="0"/>
           </a:p>
         </p:txBody>
       </p:sp>
@@ -4457,7 +4345,7 @@
   <p:timing>
     <p:tnLst>
       <p:par>
-        <p:cTn id="1" dur="indefinite" restart="never" nodeType="tmRoot">
+        <p:cTn xmlns:p14="http://schemas.microsoft.com/office/powerpoint/2010/main" id="1" dur="indefinite" restart="never" nodeType="tmRoot">
           <p:childTnLst>
             <p:seq concurrent="1" nextAc="seek">
               <p:cTn id="2" dur="indefinite" nodeType="mainSeq">
@@ -4942,7 +4830,7 @@
   <p:timing>
     <p:tnLst>
       <p:par>
-        <p:cTn id="1" dur="indefinite" restart="never" nodeType="tmRoot">
+        <p:cTn xmlns:p14="http://schemas.microsoft.com/office/powerpoint/2010/main" id="1" dur="indefinite" restart="never" nodeType="tmRoot">
           <p:childTnLst>
             <p:seq concurrent="1" nextAc="seek">
               <p:cTn id="2" dur="indefinite" nodeType="mainSeq">
@@ -5575,7 +5463,7 @@
   <p:timing>
     <p:tnLst>
       <p:par>
-        <p:cTn id="1" dur="indefinite" restart="never" nodeType="tmRoot">
+        <p:cTn xmlns:p14="http://schemas.microsoft.com/office/powerpoint/2010/main" id="1" dur="indefinite" restart="never" nodeType="tmRoot">
           <p:childTnLst>
             <p:seq concurrent="1" nextAc="seek">
               <p:cTn id="2" dur="indefinite" nodeType="mainSeq">
@@ -6307,7 +6195,7 @@
   <p:timing>
     <p:tnLst>
       <p:par>
-        <p:cTn id="1" dur="indefinite" restart="never" nodeType="tmRoot"/>
+        <p:cTn xmlns:p14="http://schemas.microsoft.com/office/powerpoint/2010/main" id="1" dur="indefinite" restart="never" nodeType="tmRoot"/>
       </p:par>
     </p:tnLst>
   </p:timing>
@@ -6534,7 +6422,7 @@
   <p:timing>
     <p:tnLst>
       <p:par>
-        <p:cTn id="1" dur="indefinite" restart="never" nodeType="tmRoot"/>
+        <p:cTn xmlns:p14="http://schemas.microsoft.com/office/powerpoint/2010/main" id="1" dur="indefinite" restart="never" nodeType="tmRoot"/>
       </p:par>
     </p:tnLst>
   </p:timing>
@@ -6758,7 +6646,6 @@
               <a:rPr lang="en-US" smtClean="0"/>
               <a:t>9/25/2013,        9/30/2013</a:t>
             </a:r>
-            <a:endParaRPr lang="en-US" smtClean="0"/>
           </a:p>
         </p:txBody>
       </p:sp>
@@ -6803,7 +6690,7 @@
   <p:timing>
     <p:tnLst>
       <p:par>
-        <p:cTn id="1" dur="indefinite" restart="never" nodeType="tmRoot">
+        <p:cTn xmlns:p14="http://schemas.microsoft.com/office/powerpoint/2010/main" id="1" dur="indefinite" restart="never" nodeType="tmRoot">
           <p:childTnLst>
             <p:seq concurrent="1" nextAc="seek">
               <p:cTn id="2" dur="indefinite" nodeType="mainSeq">
